--- a/docs/diagrams/ModelComponentClassDiagram(CarviciM).pptx
+++ b/docs/diagrams/ModelComponentClassDiagram(CarviciM).pptx
@@ -104,6 +104,11 @@
       </a:defRPr>
     </a:lvl9pPr>
   </p:defaultTextStyle>
+  <p:extLst>
+    <p:ext uri="{EFAFB233-063F-42B5-8137-9DF3F51BA10A}">
+      <p15:sldGuideLst xmlns:p15="http://schemas.microsoft.com/office/powerpoint/2012/main"/>
+    </p:ext>
+  </p:extLst>
 </p:presentation>
 </file>
 
@@ -290,7 +295,7 @@
           <a:p>
             <a:fld id="{78C97017-6FC3-485B-9764-EAC9E56C1D49}" type="datetimeFigureOut">
               <a:rPr lang="en-US" smtClean="0"/>
-              <a:t>3/29/2018</a:t>
+              <a:t>4/5/2018</a:t>
             </a:fld>
             <a:endParaRPr lang="en-US"/>
           </a:p>
@@ -458,7 +463,7 @@
           <a:p>
             <a:fld id="{78C97017-6FC3-485B-9764-EAC9E56C1D49}" type="datetimeFigureOut">
               <a:rPr lang="en-US" smtClean="0"/>
-              <a:t>3/29/2018</a:t>
+              <a:t>4/5/2018</a:t>
             </a:fld>
             <a:endParaRPr lang="en-US"/>
           </a:p>
@@ -636,7 +641,7 @@
           <a:p>
             <a:fld id="{78C97017-6FC3-485B-9764-EAC9E56C1D49}" type="datetimeFigureOut">
               <a:rPr lang="en-US" smtClean="0"/>
-              <a:t>3/29/2018</a:t>
+              <a:t>4/5/2018</a:t>
             </a:fld>
             <a:endParaRPr lang="en-US"/>
           </a:p>
@@ -804,7 +809,7 @@
           <a:p>
             <a:fld id="{78C97017-6FC3-485B-9764-EAC9E56C1D49}" type="datetimeFigureOut">
               <a:rPr lang="en-US" smtClean="0"/>
-              <a:t>3/29/2018</a:t>
+              <a:t>4/5/2018</a:t>
             </a:fld>
             <a:endParaRPr lang="en-US"/>
           </a:p>
@@ -1049,7 +1054,7 @@
           <a:p>
             <a:fld id="{78C97017-6FC3-485B-9764-EAC9E56C1D49}" type="datetimeFigureOut">
               <a:rPr lang="en-US" smtClean="0"/>
-              <a:t>3/29/2018</a:t>
+              <a:t>4/5/2018</a:t>
             </a:fld>
             <a:endParaRPr lang="en-US"/>
           </a:p>
@@ -1334,7 +1339,7 @@
           <a:p>
             <a:fld id="{78C97017-6FC3-485B-9764-EAC9E56C1D49}" type="datetimeFigureOut">
               <a:rPr lang="en-US" smtClean="0"/>
-              <a:t>3/29/2018</a:t>
+              <a:t>4/5/2018</a:t>
             </a:fld>
             <a:endParaRPr lang="en-US"/>
           </a:p>
@@ -1753,7 +1758,7 @@
           <a:p>
             <a:fld id="{78C97017-6FC3-485B-9764-EAC9E56C1D49}" type="datetimeFigureOut">
               <a:rPr lang="en-US" smtClean="0"/>
-              <a:t>3/29/2018</a:t>
+              <a:t>4/5/2018</a:t>
             </a:fld>
             <a:endParaRPr lang="en-US"/>
           </a:p>
@@ -1870,7 +1875,7 @@
           <a:p>
             <a:fld id="{78C97017-6FC3-485B-9764-EAC9E56C1D49}" type="datetimeFigureOut">
               <a:rPr lang="en-US" smtClean="0"/>
-              <a:t>3/29/2018</a:t>
+              <a:t>4/5/2018</a:t>
             </a:fld>
             <a:endParaRPr lang="en-US"/>
           </a:p>
@@ -1965,7 +1970,7 @@
           <a:p>
             <a:fld id="{78C97017-6FC3-485B-9764-EAC9E56C1D49}" type="datetimeFigureOut">
               <a:rPr lang="en-US" smtClean="0"/>
-              <a:t>3/29/2018</a:t>
+              <a:t>4/5/2018</a:t>
             </a:fld>
             <a:endParaRPr lang="en-US"/>
           </a:p>
@@ -2240,7 +2245,7 @@
           <a:p>
             <a:fld id="{78C97017-6FC3-485B-9764-EAC9E56C1D49}" type="datetimeFigureOut">
               <a:rPr lang="en-US" smtClean="0"/>
-              <a:t>3/29/2018</a:t>
+              <a:t>4/5/2018</a:t>
             </a:fld>
             <a:endParaRPr lang="en-US"/>
           </a:p>
@@ -2492,7 +2497,7 @@
           <a:p>
             <a:fld id="{78C97017-6FC3-485B-9764-EAC9E56C1D49}" type="datetimeFigureOut">
               <a:rPr lang="en-US" smtClean="0"/>
-              <a:t>3/29/2018</a:t>
+              <a:t>4/5/2018</a:t>
             </a:fld>
             <a:endParaRPr lang="en-US"/>
           </a:p>
@@ -2703,7 +2708,7 @@
           <a:p>
             <a:fld id="{78C97017-6FC3-485B-9764-EAC9E56C1D49}" type="datetimeFigureOut">
               <a:rPr lang="en-US" smtClean="0"/>
-              <a:t>3/29/2018</a:t>
+              <a:t>4/5/2018</a:t>
             </a:fld>
             <a:endParaRPr lang="en-US"/>
           </a:p>
@@ -5867,9 +5872,9 @@
           <p:nvPr/>
         </p:nvSpPr>
         <p:spPr>
-          <a:xfrm rot="10800000" flipV="1">
-            <a:off x="8469582" y="3213181"/>
-            <a:ext cx="270504" cy="175523"/>
+          <a:xfrm flipV="1">
+            <a:off x="8929919" y="3866133"/>
+            <a:ext cx="270504" cy="155044"/>
           </a:xfrm>
           <a:prstGeom prst="triangle">
             <a:avLst/>
@@ -5921,14 +5926,14 @@
           <p:cNvCxnSpPr>
             <a:cxnSpLocks/>
             <a:stCxn id="126" idx="3"/>
-            <a:endCxn id="62" idx="0"/>
+            <a:endCxn id="74" idx="2"/>
           </p:cNvCxnSpPr>
           <p:nvPr/>
         </p:nvCxnSpPr>
         <p:spPr>
-          <a:xfrm rot="16200000" flipH="1">
-            <a:off x="8516720" y="3476817"/>
-            <a:ext cx="639116" cy="462889"/>
+          <a:xfrm rot="16200000" flipV="1">
+            <a:off x="8391468" y="3192429"/>
+            <a:ext cx="663264" cy="684143"/>
           </a:xfrm>
           <a:prstGeom prst="bentConnector3">
             <a:avLst>
